--- a/prezentace/prezentace.pptx
+++ b/prezentace/prezentace.pptx
@@ -6,8 +6,8 @@
   </p:sldMasterIdLst>
   <p:sldIdLst>
     <p:sldId id="257" r:id="rId2"/>
-    <p:sldId id="258" r:id="rId3"/>
-    <p:sldId id="265" r:id="rId4"/>
+    <p:sldId id="265" r:id="rId3"/>
+    <p:sldId id="258" r:id="rId4"/>
     <p:sldId id="268" r:id="rId5"/>
     <p:sldId id="266" r:id="rId6"/>
     <p:sldId id="267" r:id="rId7"/>
@@ -3377,53 +3377,8 @@
                   </a:outerShdw>
                 </a:effectLst>
               </a:rPr>
-              <a:t>A3M99PTO </a:t>
-            </a:r>
-            <a:r>
-              <a:rPr lang="cs-CZ" sz="2400" cap="small" dirty="0" smtClean="0">
-                <a:ln w="0"/>
-                <a:solidFill>
-                  <a:schemeClr val="tx1"/>
-                </a:solidFill>
-                <a:effectLst>
-                  <a:outerShdw blurRad="50800" dist="38100" dir="2700000" algn="tl" rotWithShape="0">
-                    <a:prstClr val="black">
-                      <a:alpha val="40000"/>
-                    </a:prstClr>
-                  </a:outerShdw>
-                </a:effectLst>
-              </a:rPr>
-              <a:t>– </a:t>
-            </a:r>
-            <a:r>
-              <a:rPr lang="cs-CZ" sz="2400" cap="small" dirty="0" smtClean="0">
-                <a:ln w="0"/>
-                <a:solidFill>
-                  <a:schemeClr val="tx1"/>
-                </a:solidFill>
-                <a:effectLst>
-                  <a:outerShdw blurRad="50800" dist="38100" dir="2700000" algn="tl" rotWithShape="0">
-                    <a:prstClr val="black">
-                      <a:alpha val="40000"/>
-                    </a:prstClr>
-                  </a:outerShdw>
-                </a:effectLst>
-              </a:rPr>
-              <a:t>Práce v týmu a její organizace </a:t>
-            </a:r>
-            <a:endParaRPr lang="cs-CZ" sz="2400" cap="small" dirty="0" smtClean="0">
-              <a:ln w="0"/>
-              <a:solidFill>
-                <a:schemeClr val="tx1"/>
-              </a:solidFill>
-              <a:effectLst>
-                <a:outerShdw blurRad="50800" dist="38100" dir="2700000" algn="tl" rotWithShape="0">
-                  <a:prstClr val="black">
-                    <a:alpha val="40000"/>
-                  </a:prstClr>
-                </a:outerShdw>
-              </a:effectLst>
-            </a:endParaRPr>
+              <a:t>A3M99PTO – Práce v týmu a její organizace </a:t>
+            </a:r>
           </a:p>
         </p:txBody>
       </p:sp>
@@ -4061,6 +4016,372 @@
 </file>
 
 <file path=ppt/slides/slide2.xml><?xml version="1.0" encoding="utf-8"?>
+<p:sld xmlns:a="http://schemas.openxmlformats.org/drawingml/2006/main" xmlns:r="http://schemas.openxmlformats.org/officeDocument/2006/relationships" xmlns:p="http://schemas.openxmlformats.org/presentationml/2006/main">
+  <p:cSld>
+    <p:bg>
+      <p:bgPr>
+        <a:blipFill dpi="0" rotWithShape="1">
+          <a:blip r:embed="rId2" cstate="print">
+            <a:lum/>
+          </a:blip>
+          <a:srcRect/>
+          <a:stretch>
+            <a:fillRect/>
+          </a:stretch>
+        </a:blipFill>
+        <a:effectLst/>
+      </p:bgPr>
+    </p:bg>
+    <p:spTree>
+      <p:nvGrpSpPr>
+        <p:cNvPr id="1" name=""/>
+        <p:cNvGrpSpPr/>
+        <p:nvPr/>
+      </p:nvGrpSpPr>
+      <p:grpSpPr>
+        <a:xfrm>
+          <a:off x="0" y="0"/>
+          <a:ext cx="0" cy="0"/>
+          <a:chOff x="0" y="0"/>
+          <a:chExt cx="0" cy="0"/>
+        </a:xfrm>
+      </p:grpSpPr>
+      <p:pic>
+        <p:nvPicPr>
+          <p:cNvPr id="8" name="Obrázek 7" descr="project goal.jpg"/>
+          <p:cNvPicPr>
+            <a:picLocks noChangeAspect="1"/>
+          </p:cNvPicPr>
+          <p:nvPr/>
+        </p:nvPicPr>
+        <p:blipFill>
+          <a:blip r:embed="rId3" cstate="print"/>
+          <a:stretch>
+            <a:fillRect/>
+          </a:stretch>
+        </p:blipFill>
+        <p:spPr>
+          <a:xfrm>
+            <a:off x="1888168" y="4040454"/>
+            <a:ext cx="5492144" cy="2196858"/>
+          </a:xfrm>
+          <a:prstGeom prst="rect">
+            <a:avLst/>
+          </a:prstGeom>
+        </p:spPr>
+      </p:pic>
+      <p:sp>
+        <p:nvSpPr>
+          <p:cNvPr id="2" name="Nadpis 1"/>
+          <p:cNvSpPr>
+            <a:spLocks noGrp="1"/>
+          </p:cNvSpPr>
+          <p:nvPr>
+            <p:ph type="title"/>
+          </p:nvPr>
+        </p:nvSpPr>
+        <p:spPr/>
+        <p:txBody>
+          <a:bodyPr>
+            <a:normAutofit/>
+            <a:scene3d>
+              <a:camera prst="orthographicFront">
+                <a:rot lat="0" lon="0" rev="0"/>
+              </a:camera>
+              <a:lightRig rig="contrasting" dir="t">
+                <a:rot lat="0" lon="0" rev="4500000"/>
+              </a:lightRig>
+            </a:scene3d>
+            <a:sp3d contourW="6350" prstMaterial="metal">
+              <a:contourClr>
+                <a:schemeClr val="accent1">
+                  <a:shade val="75000"/>
+                </a:schemeClr>
+              </a:contourClr>
+            </a:sp3d>
+          </a:bodyPr>
+          <a:lstStyle/>
+          <a:p>
+            <a:pPr algn="l"/>
+            <a:r>
+              <a:rPr lang="cs-CZ" sz="3600" b="1" cap="all" dirty="0" smtClean="0">
+                <a:ln w="0"/>
+                <a:gradFill flip="none">
+                  <a:gsLst>
+                    <a:gs pos="0">
+                      <a:schemeClr val="accent1">
+                        <a:tint val="75000"/>
+                        <a:shade val="75000"/>
+                        <a:satMod val="170000"/>
+                      </a:schemeClr>
+                    </a:gs>
+                    <a:gs pos="49000">
+                      <a:schemeClr val="accent1">
+                        <a:tint val="88000"/>
+                        <a:shade val="65000"/>
+                        <a:satMod val="172000"/>
+                      </a:schemeClr>
+                    </a:gs>
+                    <a:gs pos="50000">
+                      <a:schemeClr val="accent1">
+                        <a:shade val="65000"/>
+                        <a:satMod val="130000"/>
+                      </a:schemeClr>
+                    </a:gs>
+                    <a:gs pos="92000">
+                      <a:schemeClr val="accent1">
+                        <a:shade val="50000"/>
+                        <a:satMod val="120000"/>
+                      </a:schemeClr>
+                    </a:gs>
+                    <a:gs pos="100000">
+                      <a:schemeClr val="accent1">
+                        <a:shade val="48000"/>
+                        <a:satMod val="120000"/>
+                      </a:schemeClr>
+                    </a:gs>
+                  </a:gsLst>
+                  <a:lin ang="5400000"/>
+                </a:gradFill>
+                <a:effectLst>
+                  <a:outerShdw blurRad="38100" dist="38100" dir="2700000" algn="tl">
+                    <a:srgbClr val="000000">
+                      <a:alpha val="43137"/>
+                    </a:srgbClr>
+                  </a:outerShdw>
+                </a:effectLst>
+              </a:rPr>
+              <a:t>Cíl projektu </a:t>
+            </a:r>
+            <a:endParaRPr lang="cs-CZ" sz="3600" b="1" cap="all" dirty="0">
+              <a:ln w="0"/>
+              <a:gradFill flip="none">
+                <a:gsLst>
+                  <a:gs pos="0">
+                    <a:schemeClr val="accent1">
+                      <a:tint val="75000"/>
+                      <a:shade val="75000"/>
+                      <a:satMod val="170000"/>
+                    </a:schemeClr>
+                  </a:gs>
+                  <a:gs pos="49000">
+                    <a:schemeClr val="accent1">
+                      <a:tint val="88000"/>
+                      <a:shade val="65000"/>
+                      <a:satMod val="172000"/>
+                    </a:schemeClr>
+                  </a:gs>
+                  <a:gs pos="50000">
+                    <a:schemeClr val="accent1">
+                      <a:shade val="65000"/>
+                      <a:satMod val="130000"/>
+                    </a:schemeClr>
+                  </a:gs>
+                  <a:gs pos="92000">
+                    <a:schemeClr val="accent1">
+                      <a:shade val="50000"/>
+                      <a:satMod val="120000"/>
+                    </a:schemeClr>
+                  </a:gs>
+                  <a:gs pos="100000">
+                    <a:schemeClr val="accent1">
+                      <a:shade val="48000"/>
+                      <a:satMod val="120000"/>
+                    </a:schemeClr>
+                  </a:gs>
+                </a:gsLst>
+                <a:lin ang="5400000"/>
+              </a:gradFill>
+              <a:effectLst>
+                <a:outerShdw blurRad="38100" dist="38100" dir="2700000" algn="tl">
+                  <a:srgbClr val="000000">
+                    <a:alpha val="43137"/>
+                  </a:srgbClr>
+                </a:outerShdw>
+              </a:effectLst>
+            </a:endParaRPr>
+          </a:p>
+        </p:txBody>
+      </p:sp>
+      <p:sp>
+        <p:nvSpPr>
+          <p:cNvPr id="3" name="Zástupný symbol pro obsah 2"/>
+          <p:cNvSpPr>
+            <a:spLocks noGrp="1"/>
+          </p:cNvSpPr>
+          <p:nvPr>
+            <p:ph idx="1"/>
+          </p:nvPr>
+        </p:nvSpPr>
+        <p:spPr>
+          <a:xfrm>
+            <a:off x="251520" y="1278000"/>
+            <a:ext cx="8568952" cy="2869779"/>
+          </a:xfrm>
+        </p:spPr>
+        <p:txBody>
+          <a:bodyPr>
+            <a:normAutofit fontScale="92500"/>
+          </a:bodyPr>
+          <a:lstStyle/>
+          <a:p>
+            <a:pPr>
+              <a:buSzPct val="100000"/>
+              <a:buFont typeface="Arial" charset="0"/>
+              <a:buChar char="•"/>
+            </a:pPr>
+            <a:r>
+              <a:rPr lang="cs-CZ" sz="2800" dirty="0" smtClean="0"/>
+              <a:t>Vytvořit přístroj nahrazující laboratorní přístroje v domácích podmínkách</a:t>
+            </a:r>
+          </a:p>
+          <a:p>
+            <a:pPr>
+              <a:buSzPct val="100000"/>
+              <a:buFont typeface="Arial" charset="0"/>
+              <a:buChar char="•"/>
+            </a:pPr>
+            <a:r>
+              <a:rPr lang="cs-CZ" sz="2800" dirty="0" smtClean="0"/>
+              <a:t>Implementované funkce:</a:t>
+            </a:r>
+          </a:p>
+          <a:p>
+            <a:pPr>
+              <a:buSzPct val="100000"/>
+              <a:buNone/>
+            </a:pPr>
+            <a:r>
+              <a:rPr lang="cs-CZ" sz="2800" dirty="0" smtClean="0"/>
+              <a:t>	Osciloskop, signálový generátor, logický analyzátor a čítač</a:t>
+            </a:r>
+          </a:p>
+          <a:p>
+            <a:pPr>
+              <a:buSzPct val="100000"/>
+              <a:buFont typeface="Arial" charset="0"/>
+              <a:buChar char="•"/>
+            </a:pPr>
+            <a:r>
+              <a:rPr lang="cs-CZ" sz="2800" dirty="0" smtClean="0"/>
+              <a:t>Podporované platformy:</a:t>
+            </a:r>
+          </a:p>
+          <a:p>
+            <a:pPr>
+              <a:buSzPct val="100000"/>
+              <a:buNone/>
+            </a:pPr>
+            <a:r>
+              <a:rPr lang="cs-CZ" sz="2800" dirty="0" smtClean="0"/>
+              <a:t>	ARM cortex M3 (F0,F1,F3,F4), 8052 (ADuC843)</a:t>
+            </a:r>
+          </a:p>
+        </p:txBody>
+      </p:sp>
+      <p:sp>
+        <p:nvSpPr>
+          <p:cNvPr id="5" name="TextovéPole 4"/>
+          <p:cNvSpPr txBox="1"/>
+          <p:nvPr/>
+        </p:nvSpPr>
+        <p:spPr>
+          <a:xfrm>
+            <a:off x="8100392" y="6433591"/>
+            <a:ext cx="720080" cy="307777"/>
+          </a:xfrm>
+          <a:prstGeom prst="rect">
+            <a:avLst/>
+          </a:prstGeom>
+          <a:noFill/>
+        </p:spPr>
+        <p:txBody>
+          <a:bodyPr wrap="square" rtlCol="0">
+            <a:spAutoFit/>
+          </a:bodyPr>
+          <a:lstStyle/>
+          <a:p>
+            <a:r>
+              <a:rPr lang="cs-CZ" sz="1400" dirty="0" smtClean="0">
+                <a:solidFill>
+                  <a:schemeClr val="bg1"/>
+                </a:solidFill>
+              </a:rPr>
+              <a:t>1</a:t>
+            </a:r>
+            <a:r>
+              <a:rPr lang="cs-CZ" sz="1400" dirty="0" smtClean="0">
+                <a:solidFill>
+                  <a:schemeClr val="bg1"/>
+                </a:solidFill>
+              </a:rPr>
+              <a:t>/7</a:t>
+            </a:r>
+            <a:endParaRPr lang="cs-CZ" sz="1400" dirty="0">
+              <a:solidFill>
+                <a:schemeClr val="bg1"/>
+              </a:solidFill>
+            </a:endParaRPr>
+          </a:p>
+        </p:txBody>
+      </p:sp>
+      <p:sp>
+        <p:nvSpPr>
+          <p:cNvPr id="6" name="TextovéPole 5"/>
+          <p:cNvSpPr txBox="1"/>
+          <p:nvPr/>
+        </p:nvSpPr>
+        <p:spPr>
+          <a:xfrm>
+            <a:off x="251520" y="6381328"/>
+            <a:ext cx="5976664" cy="338554"/>
+          </a:xfrm>
+          <a:prstGeom prst="rect">
+            <a:avLst/>
+          </a:prstGeom>
+          <a:noFill/>
+        </p:spPr>
+        <p:txBody>
+          <a:bodyPr wrap="square" rtlCol="0">
+            <a:spAutoFit/>
+          </a:bodyPr>
+          <a:lstStyle/>
+          <a:p>
+            <a:r>
+              <a:rPr lang="cs-CZ" sz="1600" dirty="0" smtClean="0">
+                <a:solidFill>
+                  <a:schemeClr val="bg1"/>
+                </a:solidFill>
+              </a:rPr>
+              <a:t>A3M99PTO – Víceúčelový laboratorní přístroj </a:t>
+            </a:r>
+            <a:endParaRPr lang="cs-CZ" sz="1600" dirty="0">
+              <a:solidFill>
+                <a:schemeClr val="bg1"/>
+              </a:solidFill>
+            </a:endParaRPr>
+          </a:p>
+        </p:txBody>
+      </p:sp>
+    </p:spTree>
+  </p:cSld>
+  <p:clrMapOvr>
+    <a:masterClrMapping/>
+  </p:clrMapOvr>
+  <p:transition>
+    <p:fade/>
+  </p:transition>
+  <p:timing>
+    <p:tnLst>
+      <p:par>
+        <p:cTn id="1" dur="indefinite" restart="never" nodeType="tmRoot"/>
+      </p:par>
+    </p:tnLst>
+  </p:timing>
+</p:sld>
+</file>
+
+<file path=ppt/slides/slide3.xml><?xml version="1.0" encoding="utf-8"?>
 <p:sld xmlns:a="http://schemas.openxmlformats.org/drawingml/2006/main" xmlns:r="http://schemas.openxmlformats.org/officeDocument/2006/relationships" xmlns:p="http://schemas.openxmlformats.org/presentationml/2006/main">
   <p:cSld>
     <p:bg>
@@ -4205,57 +4526,7 @@
                   </a:outerShdw>
                 </a:effectLst>
               </a:rPr>
-              <a:t>Č</a:t>
-            </a:r>
-            <a:r>
-              <a:rPr lang="cs-CZ" sz="3600" b="1" cap="all" dirty="0" smtClean="0">
-                <a:ln w="0"/>
-                <a:gradFill flip="none">
-                  <a:gsLst>
-                    <a:gs pos="0">
-                      <a:schemeClr val="accent1">
-                        <a:tint val="75000"/>
-                        <a:shade val="75000"/>
-                        <a:satMod val="170000"/>
-                      </a:schemeClr>
-                    </a:gs>
-                    <a:gs pos="49000">
-                      <a:schemeClr val="accent1">
-                        <a:tint val="88000"/>
-                        <a:shade val="65000"/>
-                        <a:satMod val="172000"/>
-                      </a:schemeClr>
-                    </a:gs>
-                    <a:gs pos="50000">
-                      <a:schemeClr val="accent1">
-                        <a:shade val="65000"/>
-                        <a:satMod val="130000"/>
-                      </a:schemeClr>
-                    </a:gs>
-                    <a:gs pos="92000">
-                      <a:schemeClr val="accent1">
-                        <a:shade val="50000"/>
-                        <a:satMod val="120000"/>
-                      </a:schemeClr>
-                    </a:gs>
-                    <a:gs pos="100000">
-                      <a:schemeClr val="accent1">
-                        <a:shade val="48000"/>
-                        <a:satMod val="120000"/>
-                      </a:schemeClr>
-                    </a:gs>
-                  </a:gsLst>
-                  <a:lin ang="5400000"/>
-                </a:gradFill>
-                <a:effectLst>
-                  <a:outerShdw blurRad="38100" dist="38100" dir="2700000" algn="tl">
-                    <a:srgbClr val="000000">
-                      <a:alpha val="43137"/>
-                    </a:srgbClr>
-                  </a:outerShdw>
-                </a:effectLst>
-              </a:rPr>
-              <a:t>lenové týmu </a:t>
+              <a:t>Členové týmu </a:t>
             </a:r>
             <a:endParaRPr lang="cs-CZ" sz="3600" b="1" cap="all" dirty="0">
               <a:ln w="0"/>
@@ -4336,11 +4607,7 @@
             </a:pPr>
             <a:r>
               <a:rPr lang="cs-CZ" sz="2800" dirty="0" smtClean="0"/>
-              <a:t>Jiří Hladík – Vedoucí </a:t>
-            </a:r>
-            <a:r>
-              <a:rPr lang="cs-CZ" sz="2800" dirty="0" smtClean="0"/>
-              <a:t>týmu </a:t>
+              <a:t>Jiří Hladík – Vedoucí týmu </a:t>
             </a:r>
           </a:p>
           <a:p>
@@ -4350,13 +4617,8 @@
             </a:pPr>
             <a:r>
               <a:rPr lang="cs-CZ" sz="2800" dirty="0" smtClean="0"/>
-              <a:t>	 </a:t>
-            </a:r>
-            <a:r>
-              <a:rPr lang="cs-CZ" sz="2800" dirty="0" smtClean="0"/>
-              <a:t> (organizace týmu, návrh architektury firmware, programátor C#)</a:t>
-            </a:r>
-            <a:endParaRPr lang="cs-CZ" sz="2800" dirty="0" smtClean="0"/>
+              <a:t>	  (organizace týmu, návrh architektury firmware, programátor C#)</a:t>
+            </a:r>
           </a:p>
           <a:p>
             <a:pPr>
@@ -4366,13 +4628,8 @@
             </a:pPr>
             <a:r>
               <a:rPr lang="cs-CZ" sz="2800" dirty="0" smtClean="0"/>
-              <a:t>Adam </a:t>
-            </a:r>
-            <a:r>
-              <a:rPr lang="cs-CZ" sz="2800" dirty="0" smtClean="0"/>
-              <a:t>Bařtipán – STM32F3 </a:t>
-            </a:r>
-            <a:endParaRPr lang="cs-CZ" sz="2800" dirty="0" smtClean="0"/>
+              <a:t>Adam Bařtipán – STM32F3 </a:t>
+            </a:r>
           </a:p>
           <a:p>
             <a:pPr>
@@ -4381,13 +4638,8 @@
             </a:pPr>
             <a:r>
               <a:rPr lang="cs-CZ" sz="2800" dirty="0" smtClean="0"/>
-              <a:t>	</a:t>
-            </a:r>
-            <a:r>
-              <a:rPr lang="cs-CZ" sz="2800" dirty="0" smtClean="0"/>
-              <a:t>  (Programátor MCU)</a:t>
-            </a:r>
-            <a:endParaRPr lang="cs-CZ" sz="2800" dirty="0" smtClean="0"/>
+              <a:t>	  (Programátor MCU)</a:t>
+            </a:r>
           </a:p>
           <a:p>
             <a:pPr>
@@ -4405,11 +4657,7 @@
             </a:r>
             <a:r>
               <a:rPr lang="cs-CZ" sz="2800" dirty="0" smtClean="0"/>
-              <a:t> – </a:t>
-            </a:r>
-            <a:r>
-              <a:rPr lang="cs-CZ" sz="2800" dirty="0" smtClean="0"/>
-              <a:t>STM32F4</a:t>
+              <a:t> – STM32F4</a:t>
             </a:r>
           </a:p>
           <a:p>
@@ -4419,13 +4667,8 @@
             </a:pPr>
             <a:r>
               <a:rPr lang="cs-CZ" sz="2800" dirty="0" smtClean="0"/>
-              <a:t>	</a:t>
-            </a:r>
-            <a:r>
-              <a:rPr lang="cs-CZ" sz="2800" dirty="0" smtClean="0"/>
-              <a:t>  (programátor MCU a C#, architektura PC aplikace)</a:t>
-            </a:r>
-            <a:endParaRPr lang="cs-CZ" sz="2800" dirty="0" smtClean="0"/>
+              <a:t>	  (programátor MCU a C#, architektura PC aplikace)</a:t>
+            </a:r>
           </a:p>
           <a:p>
             <a:pPr>
@@ -4445,7 +4688,6 @@
               <a:rPr lang="cs-CZ" sz="2800" dirty="0" smtClean="0"/>
               <a:t> – ADuC843 </a:t>
             </a:r>
-            <a:endParaRPr lang="cs-CZ" sz="2800" dirty="0" smtClean="0"/>
           </a:p>
           <a:p>
             <a:pPr>
@@ -4454,13 +4696,8 @@
             </a:pPr>
             <a:r>
               <a:rPr lang="cs-CZ" sz="2800" dirty="0" smtClean="0"/>
-              <a:t>	 </a:t>
-            </a:r>
-            <a:r>
-              <a:rPr lang="cs-CZ" sz="2800" dirty="0" smtClean="0"/>
-              <a:t> (programátor MCU)</a:t>
-            </a:r>
-            <a:endParaRPr lang="cs-CZ" sz="2800" dirty="0" smtClean="0"/>
+              <a:t>	  (programátor MCU)</a:t>
+            </a:r>
           </a:p>
           <a:p>
             <a:pPr>
@@ -4472,7 +4709,6 @@
               <a:rPr lang="cs-CZ" sz="2800" dirty="0" smtClean="0"/>
               <a:t>Jan Staněk – STM32F1 </a:t>
             </a:r>
-            <a:endParaRPr lang="cs-CZ" sz="2800" dirty="0" smtClean="0"/>
           </a:p>
           <a:p>
             <a:pPr>
@@ -4481,13 +4717,8 @@
             </a:pPr>
             <a:r>
               <a:rPr lang="cs-CZ" sz="2800" dirty="0" smtClean="0"/>
-              <a:t>	 </a:t>
-            </a:r>
-            <a:r>
-              <a:rPr lang="cs-CZ" sz="2800" dirty="0" smtClean="0"/>
-              <a:t> (programátor MCU vyšší vrstvy)</a:t>
-            </a:r>
-            <a:endParaRPr lang="cs-CZ" sz="2800" dirty="0" smtClean="0"/>
+              <a:t>	  (programátor MCU vyšší vrstvy)</a:t>
+            </a:r>
           </a:p>
           <a:p>
             <a:pPr>
@@ -4507,7 +4738,6 @@
               <a:rPr lang="cs-CZ" sz="2800" dirty="0" smtClean="0"/>
               <a:t> – STM32F0 </a:t>
             </a:r>
-            <a:endParaRPr lang="cs-CZ" sz="2800" dirty="0" smtClean="0"/>
           </a:p>
           <a:p>
             <a:pPr>
@@ -4516,391 +4746,7 @@
             </a:pPr>
             <a:r>
               <a:rPr lang="cs-CZ" sz="2800" dirty="0" smtClean="0"/>
-              <a:t>	 </a:t>
-            </a:r>
-            <a:r>
-              <a:rPr lang="cs-CZ" sz="2800" dirty="0" smtClean="0"/>
-              <a:t> (programátor MCU, návrh komunikace)</a:t>
-            </a:r>
-            <a:endParaRPr lang="cs-CZ" sz="2800" dirty="0" smtClean="0"/>
-          </a:p>
-        </p:txBody>
-      </p:sp>
-      <p:sp>
-        <p:nvSpPr>
-          <p:cNvPr id="5" name="TextovéPole 4"/>
-          <p:cNvSpPr txBox="1"/>
-          <p:nvPr/>
-        </p:nvSpPr>
-        <p:spPr>
-          <a:xfrm>
-            <a:off x="8100392" y="6433591"/>
-            <a:ext cx="720080" cy="307777"/>
-          </a:xfrm>
-          <a:prstGeom prst="rect">
-            <a:avLst/>
-          </a:prstGeom>
-          <a:noFill/>
-        </p:spPr>
-        <p:txBody>
-          <a:bodyPr wrap="square" rtlCol="0">
-            <a:spAutoFit/>
-          </a:bodyPr>
-          <a:lstStyle/>
-          <a:p>
-            <a:r>
-              <a:rPr lang="cs-CZ" sz="1400" dirty="0" smtClean="0">
-                <a:solidFill>
-                  <a:schemeClr val="bg1"/>
-                </a:solidFill>
-              </a:rPr>
-              <a:t>1/7</a:t>
-            </a:r>
-            <a:endParaRPr lang="cs-CZ" sz="1400" dirty="0">
-              <a:solidFill>
-                <a:schemeClr val="bg1"/>
-              </a:solidFill>
-            </a:endParaRPr>
-          </a:p>
-        </p:txBody>
-      </p:sp>
-      <p:sp>
-        <p:nvSpPr>
-          <p:cNvPr id="6" name="TextovéPole 5"/>
-          <p:cNvSpPr txBox="1"/>
-          <p:nvPr/>
-        </p:nvSpPr>
-        <p:spPr>
-          <a:xfrm>
-            <a:off x="251520" y="6381328"/>
-            <a:ext cx="5976664" cy="338554"/>
-          </a:xfrm>
-          <a:prstGeom prst="rect">
-            <a:avLst/>
-          </a:prstGeom>
-          <a:noFill/>
-        </p:spPr>
-        <p:txBody>
-          <a:bodyPr wrap="square" rtlCol="0">
-            <a:spAutoFit/>
-          </a:bodyPr>
-          <a:lstStyle/>
-          <a:p>
-            <a:r>
-              <a:rPr lang="cs-CZ" sz="1600" dirty="0" smtClean="0">
-                <a:solidFill>
-                  <a:schemeClr val="bg1"/>
-                </a:solidFill>
-              </a:rPr>
-              <a:t>A3M99PTO – Víceúčelový laboratorní přístroj </a:t>
-            </a:r>
-            <a:endParaRPr lang="cs-CZ" sz="1600" dirty="0">
-              <a:solidFill>
-                <a:schemeClr val="bg1"/>
-              </a:solidFill>
-            </a:endParaRPr>
-          </a:p>
-        </p:txBody>
-      </p:sp>
-    </p:spTree>
-  </p:cSld>
-  <p:clrMapOvr>
-    <a:masterClrMapping/>
-  </p:clrMapOvr>
-  <p:transition>
-    <p:fade/>
-  </p:transition>
-  <p:timing>
-    <p:tnLst>
-      <p:par>
-        <p:cTn id="1" dur="indefinite" restart="never" nodeType="tmRoot"/>
-      </p:par>
-    </p:tnLst>
-  </p:timing>
-</p:sld>
-</file>
-
-<file path=ppt/slides/slide3.xml><?xml version="1.0" encoding="utf-8"?>
-<p:sld xmlns:a="http://schemas.openxmlformats.org/drawingml/2006/main" xmlns:r="http://schemas.openxmlformats.org/officeDocument/2006/relationships" xmlns:p="http://schemas.openxmlformats.org/presentationml/2006/main">
-  <p:cSld>
-    <p:bg>
-      <p:bgPr>
-        <a:blipFill dpi="0" rotWithShape="1">
-          <a:blip r:embed="rId2" cstate="print">
-            <a:lum/>
-          </a:blip>
-          <a:srcRect/>
-          <a:stretch>
-            <a:fillRect/>
-          </a:stretch>
-        </a:blipFill>
-        <a:effectLst/>
-      </p:bgPr>
-    </p:bg>
-    <p:spTree>
-      <p:nvGrpSpPr>
-        <p:cNvPr id="1" name=""/>
-        <p:cNvGrpSpPr/>
-        <p:nvPr/>
-      </p:nvGrpSpPr>
-      <p:grpSpPr>
-        <a:xfrm>
-          <a:off x="0" y="0"/>
-          <a:ext cx="0" cy="0"/>
-          <a:chOff x="0" y="0"/>
-          <a:chExt cx="0" cy="0"/>
-        </a:xfrm>
-      </p:grpSpPr>
-      <p:pic>
-        <p:nvPicPr>
-          <p:cNvPr id="8" name="Obrázek 7" descr="project goal.jpg"/>
-          <p:cNvPicPr>
-            <a:picLocks noChangeAspect="1"/>
-          </p:cNvPicPr>
-          <p:nvPr/>
-        </p:nvPicPr>
-        <p:blipFill>
-          <a:blip r:embed="rId3" cstate="print"/>
-          <a:stretch>
-            <a:fillRect/>
-          </a:stretch>
-        </p:blipFill>
-        <p:spPr>
-          <a:xfrm>
-            <a:off x="1888168" y="4040454"/>
-            <a:ext cx="5492144" cy="2196858"/>
-          </a:xfrm>
-          <a:prstGeom prst="rect">
-            <a:avLst/>
-          </a:prstGeom>
-        </p:spPr>
-      </p:pic>
-      <p:sp>
-        <p:nvSpPr>
-          <p:cNvPr id="2" name="Nadpis 1"/>
-          <p:cNvSpPr>
-            <a:spLocks noGrp="1"/>
-          </p:cNvSpPr>
-          <p:nvPr>
-            <p:ph type="title"/>
-          </p:nvPr>
-        </p:nvSpPr>
-        <p:spPr/>
-        <p:txBody>
-          <a:bodyPr>
-            <a:normAutofit/>
-            <a:scene3d>
-              <a:camera prst="orthographicFront">
-                <a:rot lat="0" lon="0" rev="0"/>
-              </a:camera>
-              <a:lightRig rig="contrasting" dir="t">
-                <a:rot lat="0" lon="0" rev="4500000"/>
-              </a:lightRig>
-            </a:scene3d>
-            <a:sp3d contourW="6350" prstMaterial="metal">
-              <a:contourClr>
-                <a:schemeClr val="accent1">
-                  <a:shade val="75000"/>
-                </a:schemeClr>
-              </a:contourClr>
-            </a:sp3d>
-          </a:bodyPr>
-          <a:lstStyle/>
-          <a:p>
-            <a:pPr algn="l"/>
-            <a:r>
-              <a:rPr lang="cs-CZ" sz="3600" b="1" cap="all" dirty="0" smtClean="0">
-                <a:ln w="0"/>
-                <a:gradFill flip="none">
-                  <a:gsLst>
-                    <a:gs pos="0">
-                      <a:schemeClr val="accent1">
-                        <a:tint val="75000"/>
-                        <a:shade val="75000"/>
-                        <a:satMod val="170000"/>
-                      </a:schemeClr>
-                    </a:gs>
-                    <a:gs pos="49000">
-                      <a:schemeClr val="accent1">
-                        <a:tint val="88000"/>
-                        <a:shade val="65000"/>
-                        <a:satMod val="172000"/>
-                      </a:schemeClr>
-                    </a:gs>
-                    <a:gs pos="50000">
-                      <a:schemeClr val="accent1">
-                        <a:shade val="65000"/>
-                        <a:satMod val="130000"/>
-                      </a:schemeClr>
-                    </a:gs>
-                    <a:gs pos="92000">
-                      <a:schemeClr val="accent1">
-                        <a:shade val="50000"/>
-                        <a:satMod val="120000"/>
-                      </a:schemeClr>
-                    </a:gs>
-                    <a:gs pos="100000">
-                      <a:schemeClr val="accent1">
-                        <a:shade val="48000"/>
-                        <a:satMod val="120000"/>
-                      </a:schemeClr>
-                    </a:gs>
-                  </a:gsLst>
-                  <a:lin ang="5400000"/>
-                </a:gradFill>
-                <a:effectLst>
-                  <a:outerShdw blurRad="38100" dist="38100" dir="2700000" algn="tl">
-                    <a:srgbClr val="000000">
-                      <a:alpha val="43137"/>
-                    </a:srgbClr>
-                  </a:outerShdw>
-                </a:effectLst>
-              </a:rPr>
-              <a:t>Cíl projektu </a:t>
-            </a:r>
-            <a:endParaRPr lang="cs-CZ" sz="3600" b="1" cap="all" dirty="0">
-              <a:ln w="0"/>
-              <a:gradFill flip="none">
-                <a:gsLst>
-                  <a:gs pos="0">
-                    <a:schemeClr val="accent1">
-                      <a:tint val="75000"/>
-                      <a:shade val="75000"/>
-                      <a:satMod val="170000"/>
-                    </a:schemeClr>
-                  </a:gs>
-                  <a:gs pos="49000">
-                    <a:schemeClr val="accent1">
-                      <a:tint val="88000"/>
-                      <a:shade val="65000"/>
-                      <a:satMod val="172000"/>
-                    </a:schemeClr>
-                  </a:gs>
-                  <a:gs pos="50000">
-                    <a:schemeClr val="accent1">
-                      <a:shade val="65000"/>
-                      <a:satMod val="130000"/>
-                    </a:schemeClr>
-                  </a:gs>
-                  <a:gs pos="92000">
-                    <a:schemeClr val="accent1">
-                      <a:shade val="50000"/>
-                      <a:satMod val="120000"/>
-                    </a:schemeClr>
-                  </a:gs>
-                  <a:gs pos="100000">
-                    <a:schemeClr val="accent1">
-                      <a:shade val="48000"/>
-                      <a:satMod val="120000"/>
-                    </a:schemeClr>
-                  </a:gs>
-                </a:gsLst>
-                <a:lin ang="5400000"/>
-              </a:gradFill>
-              <a:effectLst>
-                <a:outerShdw blurRad="38100" dist="38100" dir="2700000" algn="tl">
-                  <a:srgbClr val="000000">
-                    <a:alpha val="43137"/>
-                  </a:srgbClr>
-                </a:outerShdw>
-              </a:effectLst>
-            </a:endParaRPr>
-          </a:p>
-        </p:txBody>
-      </p:sp>
-      <p:sp>
-        <p:nvSpPr>
-          <p:cNvPr id="3" name="Zástupný symbol pro obsah 2"/>
-          <p:cNvSpPr>
-            <a:spLocks noGrp="1"/>
-          </p:cNvSpPr>
-          <p:nvPr>
-            <p:ph idx="1"/>
-          </p:nvPr>
-        </p:nvSpPr>
-        <p:spPr>
-          <a:xfrm>
-            <a:off x="251520" y="1278000"/>
-            <a:ext cx="8568952" cy="2869779"/>
-          </a:xfrm>
-        </p:spPr>
-        <p:txBody>
-          <a:bodyPr>
-            <a:normAutofit fontScale="92500"/>
-          </a:bodyPr>
-          <a:lstStyle/>
-          <a:p>
-            <a:pPr>
-              <a:buSzPct val="100000"/>
-              <a:buFont typeface="Arial" charset="0"/>
-              <a:buChar char="•"/>
-            </a:pPr>
-            <a:r>
-              <a:rPr lang="cs-CZ" sz="2800" dirty="0" smtClean="0"/>
-              <a:t>Vytvořit přístroj nahrazující laboratorní přístroje v domácích podmínkách</a:t>
-            </a:r>
-          </a:p>
-          <a:p>
-            <a:pPr>
-              <a:buSzPct val="100000"/>
-              <a:buFont typeface="Arial" charset="0"/>
-              <a:buChar char="•"/>
-            </a:pPr>
-            <a:r>
-              <a:rPr lang="cs-CZ" sz="2800" dirty="0" smtClean="0"/>
-              <a:t>Implementované funkce:</a:t>
-            </a:r>
-          </a:p>
-          <a:p>
-            <a:pPr>
-              <a:buSzPct val="100000"/>
-              <a:buNone/>
-            </a:pPr>
-            <a:r>
-              <a:rPr lang="cs-CZ" sz="2800" dirty="0" smtClean="0"/>
-              <a:t>	Osciloskop, signálový generátor, logický </a:t>
-            </a:r>
-            <a:r>
-              <a:rPr lang="cs-CZ" sz="2800" dirty="0" smtClean="0"/>
-              <a:t>analyzátor</a:t>
-            </a:r>
-            <a:r>
-              <a:rPr lang="cs-CZ" sz="2800" dirty="0" smtClean="0"/>
-              <a:t> </a:t>
-            </a:r>
-            <a:r>
-              <a:rPr lang="cs-CZ" sz="2800" dirty="0" smtClean="0"/>
-              <a:t>a čítač</a:t>
-            </a:r>
-            <a:endParaRPr lang="cs-CZ" sz="2800" dirty="0" smtClean="0"/>
-          </a:p>
-          <a:p>
-            <a:pPr>
-              <a:buSzPct val="100000"/>
-              <a:buFont typeface="Arial" charset="0"/>
-              <a:buChar char="•"/>
-            </a:pPr>
-            <a:r>
-              <a:rPr lang="cs-CZ" sz="2800" dirty="0" smtClean="0"/>
-              <a:t>Podporované platformy:</a:t>
-            </a:r>
-          </a:p>
-          <a:p>
-            <a:pPr>
-              <a:buSzPct val="100000"/>
-              <a:buNone/>
-            </a:pPr>
-            <a:r>
-              <a:rPr lang="cs-CZ" sz="2800" dirty="0" smtClean="0"/>
-              <a:t>	ARM cortex M3 (</a:t>
-            </a:r>
-            <a:r>
-              <a:rPr lang="cs-CZ" sz="2800" dirty="0" smtClean="0"/>
-              <a:t>F0,F1,F3,F4</a:t>
-            </a:r>
-            <a:r>
-              <a:rPr lang="cs-CZ" sz="2800" dirty="0" smtClean="0"/>
-              <a:t>), 8052 (ADuC843)</a:t>
+              <a:t>	  (programátor MCU, návrh komunikace)</a:t>
             </a:r>
           </a:p>
         </p:txBody>
@@ -5119,57 +4965,7 @@
                   </a:outerShdw>
                 </a:effectLst>
               </a:rPr>
-              <a:t>Organizace týmu</a:t>
-            </a:r>
-            <a:r>
-              <a:rPr lang="cs-CZ" sz="3600" b="1" cap="all" dirty="0" smtClean="0">
-                <a:ln w="0"/>
-                <a:gradFill flip="none">
-                  <a:gsLst>
-                    <a:gs pos="0">
-                      <a:schemeClr val="accent1">
-                        <a:tint val="75000"/>
-                        <a:shade val="75000"/>
-                        <a:satMod val="170000"/>
-                      </a:schemeClr>
-                    </a:gs>
-                    <a:gs pos="49000">
-                      <a:schemeClr val="accent1">
-                        <a:tint val="88000"/>
-                        <a:shade val="65000"/>
-                        <a:satMod val="172000"/>
-                      </a:schemeClr>
-                    </a:gs>
-                    <a:gs pos="50000">
-                      <a:schemeClr val="accent1">
-                        <a:shade val="65000"/>
-                        <a:satMod val="130000"/>
-                      </a:schemeClr>
-                    </a:gs>
-                    <a:gs pos="92000">
-                      <a:schemeClr val="accent1">
-                        <a:shade val="50000"/>
-                        <a:satMod val="120000"/>
-                      </a:schemeClr>
-                    </a:gs>
-                    <a:gs pos="100000">
-                      <a:schemeClr val="accent1">
-                        <a:shade val="48000"/>
-                        <a:satMod val="120000"/>
-                      </a:schemeClr>
-                    </a:gs>
-                  </a:gsLst>
-                  <a:lin ang="5400000"/>
-                </a:gradFill>
-                <a:effectLst>
-                  <a:outerShdw blurRad="38100" dist="38100" dir="2700000" algn="tl">
-                    <a:srgbClr val="000000">
-                      <a:alpha val="43137"/>
-                    </a:srgbClr>
-                  </a:outerShdw>
-                </a:effectLst>
-              </a:rPr>
-              <a:t> </a:t>
+              <a:t>Organizace týmu </a:t>
             </a:r>
             <a:endParaRPr lang="cs-CZ" sz="3600" b="1" cap="all" dirty="0">
               <a:ln w="0"/>
@@ -5350,15 +5146,7 @@
                   <a:schemeClr val="bg1"/>
                 </a:solidFill>
               </a:rPr>
-              <a:t>3</a:t>
-            </a:r>
-            <a:r>
-              <a:rPr lang="cs-CZ" sz="1400" dirty="0" smtClean="0">
-                <a:solidFill>
-                  <a:schemeClr val="bg1"/>
-                </a:solidFill>
-              </a:rPr>
-              <a:t>/7</a:t>
+              <a:t>3/7</a:t>
             </a:r>
             <a:endParaRPr lang="cs-CZ" sz="1400" dirty="0">
               <a:solidFill>
@@ -5568,57 +5356,7 @@
                   </a:outerShdw>
                 </a:effectLst>
               </a:rPr>
-              <a:t>Postup řešení</a:t>
-            </a:r>
-            <a:r>
-              <a:rPr lang="cs-CZ" sz="3600" b="1" cap="all" dirty="0" smtClean="0">
-                <a:ln w="0"/>
-                <a:gradFill flip="none">
-                  <a:gsLst>
-                    <a:gs pos="0">
-                      <a:schemeClr val="accent1">
-                        <a:tint val="75000"/>
-                        <a:shade val="75000"/>
-                        <a:satMod val="170000"/>
-                      </a:schemeClr>
-                    </a:gs>
-                    <a:gs pos="49000">
-                      <a:schemeClr val="accent1">
-                        <a:tint val="88000"/>
-                        <a:shade val="65000"/>
-                        <a:satMod val="172000"/>
-                      </a:schemeClr>
-                    </a:gs>
-                    <a:gs pos="50000">
-                      <a:schemeClr val="accent1">
-                        <a:shade val="65000"/>
-                        <a:satMod val="130000"/>
-                      </a:schemeClr>
-                    </a:gs>
-                    <a:gs pos="92000">
-                      <a:schemeClr val="accent1">
-                        <a:shade val="50000"/>
-                        <a:satMod val="120000"/>
-                      </a:schemeClr>
-                    </a:gs>
-                    <a:gs pos="100000">
-                      <a:schemeClr val="accent1">
-                        <a:shade val="48000"/>
-                        <a:satMod val="120000"/>
-                      </a:schemeClr>
-                    </a:gs>
-                  </a:gsLst>
-                  <a:lin ang="5400000"/>
-                </a:gradFill>
-                <a:effectLst>
-                  <a:outerShdw blurRad="38100" dist="38100" dir="2700000" algn="tl">
-                    <a:srgbClr val="000000">
-                      <a:alpha val="43137"/>
-                    </a:srgbClr>
-                  </a:outerShdw>
-                </a:effectLst>
-              </a:rPr>
-              <a:t> </a:t>
+              <a:t>Postup řešení </a:t>
             </a:r>
             <a:endParaRPr lang="cs-CZ" sz="3600" b="1" cap="all" dirty="0">
               <a:ln w="0"/>
@@ -5709,13 +5447,8 @@
             </a:pPr>
             <a:r>
               <a:rPr lang="cs-CZ" sz="2800" dirty="0" smtClean="0"/>
-              <a:t>	</a:t>
-            </a:r>
-            <a:r>
-              <a:rPr lang="cs-CZ" sz="2800" dirty="0" smtClean="0"/>
-              <a:t>firmware MCU a PC aplikace</a:t>
-            </a:r>
-            <a:endParaRPr lang="cs-CZ" sz="2800" dirty="0" smtClean="0"/>
+              <a:t>	firmware MCU a PC aplikace</a:t>
+            </a:r>
           </a:p>
           <a:p>
             <a:pPr>
@@ -5735,11 +5468,7 @@
             </a:pPr>
             <a:r>
               <a:rPr lang="cs-CZ" sz="2800" dirty="0" smtClean="0"/>
-              <a:t>	</a:t>
-            </a:r>
-            <a:r>
-              <a:rPr lang="cs-CZ" sz="2800" dirty="0" smtClean="0"/>
-              <a:t>Vytvoření osciloskopu</a:t>
+              <a:t>	Vytvoření osciloskopu</a:t>
             </a:r>
           </a:p>
         </p:txBody>
@@ -5772,15 +5501,7 @@
                   <a:schemeClr val="bg1"/>
                 </a:solidFill>
               </a:rPr>
-              <a:t>4</a:t>
-            </a:r>
-            <a:r>
-              <a:rPr lang="cs-CZ" sz="1400" dirty="0" smtClean="0">
-                <a:solidFill>
-                  <a:schemeClr val="bg1"/>
-                </a:solidFill>
-              </a:rPr>
-              <a:t>/7</a:t>
+              <a:t>4/7</a:t>
             </a:r>
             <a:endParaRPr lang="cs-CZ" sz="1400" dirty="0">
               <a:solidFill>
@@ -6279,57 +6000,7 @@
                   </a:outerShdw>
                 </a:effectLst>
               </a:rPr>
-              <a:t>Reálné řešení</a:t>
-            </a:r>
-            <a:r>
-              <a:rPr lang="cs-CZ" sz="3600" b="1" cap="all" dirty="0" smtClean="0">
-                <a:ln w="0"/>
-                <a:gradFill flip="none">
-                  <a:gsLst>
-                    <a:gs pos="0">
-                      <a:schemeClr val="accent1">
-                        <a:tint val="75000"/>
-                        <a:shade val="75000"/>
-                        <a:satMod val="170000"/>
-                      </a:schemeClr>
-                    </a:gs>
-                    <a:gs pos="49000">
-                      <a:schemeClr val="accent1">
-                        <a:tint val="88000"/>
-                        <a:shade val="65000"/>
-                        <a:satMod val="172000"/>
-                      </a:schemeClr>
-                    </a:gs>
-                    <a:gs pos="50000">
-                      <a:schemeClr val="accent1">
-                        <a:shade val="65000"/>
-                        <a:satMod val="130000"/>
-                      </a:schemeClr>
-                    </a:gs>
-                    <a:gs pos="92000">
-                      <a:schemeClr val="accent1">
-                        <a:shade val="50000"/>
-                        <a:satMod val="120000"/>
-                      </a:schemeClr>
-                    </a:gs>
-                    <a:gs pos="100000">
-                      <a:schemeClr val="accent1">
-                        <a:shade val="48000"/>
-                        <a:satMod val="120000"/>
-                      </a:schemeClr>
-                    </a:gs>
-                  </a:gsLst>
-                  <a:lin ang="5400000"/>
-                </a:gradFill>
-                <a:effectLst>
-                  <a:outerShdw blurRad="38100" dist="38100" dir="2700000" algn="tl">
-                    <a:srgbClr val="000000">
-                      <a:alpha val="43137"/>
-                    </a:srgbClr>
-                  </a:outerShdw>
-                </a:effectLst>
-              </a:rPr>
-              <a:t> a problémy</a:t>
+              <a:t>Řízení projektových rizik</a:t>
             </a:r>
             <a:endParaRPr lang="cs-CZ" sz="3600" b="1" cap="all" dirty="0">
               <a:ln w="0"/>
@@ -6422,7 +6093,6 @@
               <a:rPr lang="cs-CZ" sz="2400" dirty="0" smtClean="0"/>
               <a:t>Omezení na kritickou cestu, zbytek až zbude čas</a:t>
             </a:r>
-            <a:endParaRPr lang="cs-CZ" sz="2400" dirty="0" smtClean="0"/>
           </a:p>
           <a:p>
             <a:pPr>
@@ -6533,15 +6203,7 @@
                   <a:schemeClr val="bg1"/>
                 </a:solidFill>
               </a:rPr>
-              <a:t>6</a:t>
-            </a:r>
-            <a:r>
-              <a:rPr lang="cs-CZ" sz="1400" dirty="0" smtClean="0">
-                <a:solidFill>
-                  <a:schemeClr val="bg1"/>
-                </a:solidFill>
-              </a:rPr>
-              <a:t>/7</a:t>
+              <a:t>6/7</a:t>
             </a:r>
             <a:endParaRPr lang="cs-CZ" sz="1400" dirty="0">
               <a:solidFill>
@@ -6868,15 +6530,7 @@
                   <a:schemeClr val="bg1"/>
                 </a:solidFill>
               </a:rPr>
-              <a:t>7</a:t>
-            </a:r>
-            <a:r>
-              <a:rPr lang="cs-CZ" sz="1400" dirty="0" smtClean="0">
-                <a:solidFill>
-                  <a:schemeClr val="bg1"/>
-                </a:solidFill>
-              </a:rPr>
-              <a:t>/7</a:t>
+              <a:t>7/7</a:t>
             </a:r>
             <a:endParaRPr lang="cs-CZ" sz="1400" dirty="0">
               <a:solidFill>
@@ -7074,29 +6728,7 @@
                 <a:ea typeface="+mj-ea"/>
                 <a:cs typeface="+mj-cs"/>
               </a:rPr>
-              <a:t>Děkuji </a:t>
-            </a:r>
-            <a:r>
-              <a:rPr kumimoji="0" lang="cs-CZ" sz="5400" b="1" i="0" u="none" strike="noStrike" kern="1200" cap="all" spc="0" normalizeH="0" baseline="0" noProof="0" dirty="0" smtClean="0">
-                <a:ln w="0"/>
-                <a:solidFill>
-                  <a:schemeClr val="bg1"/>
-                </a:solidFill>
-                <a:effectLst>
-                  <a:outerShdw blurRad="50800" dist="63500" dir="2700000" algn="tl" rotWithShape="0">
-                    <a:prstClr val="black">
-                      <a:alpha val="40000"/>
-                    </a:prstClr>
-                  </a:outerShdw>
-                  <a:reflection blurRad="6350" stA="55000" endA="300" endPos="45500" dir="5400000" sy="-100000" algn="bl" rotWithShape="0"/>
-                </a:effectLst>
-                <a:uLnTx/>
-                <a:uFillTx/>
-                <a:latin typeface="+mj-lt"/>
-                <a:ea typeface="+mj-ea"/>
-                <a:cs typeface="+mj-cs"/>
-              </a:rPr>
-              <a:t>za pozornost</a:t>
+              <a:t>Děkuji za pozornost</a:t>
             </a:r>
             <a:endParaRPr kumimoji="0" lang="cs-CZ" sz="5400" b="1" i="0" u="none" strike="noStrike" kern="1200" cap="all" spc="0" normalizeH="0" baseline="0" noProof="0" dirty="0">
               <a:ln w="0"/>

--- a/prezentace/prezentace.pptx
+++ b/prezentace/prezentace.pptx
@@ -4307,15 +4307,7 @@
                   <a:schemeClr val="bg1"/>
                 </a:solidFill>
               </a:rPr>
-              <a:t>1</a:t>
-            </a:r>
-            <a:r>
-              <a:rPr lang="cs-CZ" sz="1400" dirty="0" smtClean="0">
-                <a:solidFill>
-                  <a:schemeClr val="bg1"/>
-                </a:solidFill>
-              </a:rPr>
-              <a:t>/7</a:t>
+              <a:t>1/7</a:t>
             </a:r>
             <a:endParaRPr lang="cs-CZ" sz="1400" dirty="0">
               <a:solidFill>
@@ -4779,15 +4771,7 @@
                   <a:schemeClr val="bg1"/>
                 </a:solidFill>
               </a:rPr>
-              <a:t>2</a:t>
-            </a:r>
-            <a:r>
-              <a:rPr lang="cs-CZ" sz="1400" dirty="0" smtClean="0">
-                <a:solidFill>
-                  <a:schemeClr val="bg1"/>
-                </a:solidFill>
-              </a:rPr>
-              <a:t>/7</a:t>
+              <a:t>2/7</a:t>
             </a:r>
             <a:endParaRPr lang="cs-CZ" sz="1400" dirty="0">
               <a:solidFill>
@@ -4965,7 +4949,7 @@
                   </a:outerShdw>
                 </a:effectLst>
               </a:rPr>
-              <a:t>Organizace týmu </a:t>
+              <a:t>Zajištění projektu </a:t>
             </a:r>
             <a:endParaRPr lang="cs-CZ" sz="3600" b="1" cap="all" dirty="0">
               <a:ln w="0"/>
@@ -6381,7 +6365,7 @@
                   </a:outerShdw>
                 </a:effectLst>
               </a:rPr>
-              <a:t>Výsledky</a:t>
+              <a:t>Výsledky projektu</a:t>
             </a:r>
             <a:endParaRPr lang="cs-CZ" sz="3600" b="1" cap="all" dirty="0">
               <a:ln w="0"/>

--- a/prezentace/prezentace.pptx
+++ b/prezentace/prezentace.pptx
@@ -6712,7 +6712,29 @@
                 <a:ea typeface="+mj-ea"/>
                 <a:cs typeface="+mj-cs"/>
               </a:rPr>
-              <a:t>Děkuji za pozornost</a:t>
+              <a:t>Děkujeme </a:t>
+            </a:r>
+            <a:r>
+              <a:rPr kumimoji="0" lang="cs-CZ" sz="5400" b="1" i="0" u="none" strike="noStrike" kern="1200" cap="all" spc="0" normalizeH="0" baseline="0" noProof="0" dirty="0" smtClean="0">
+                <a:ln w="0"/>
+                <a:solidFill>
+                  <a:schemeClr val="bg1"/>
+                </a:solidFill>
+                <a:effectLst>
+                  <a:outerShdw blurRad="50800" dist="63500" dir="2700000" algn="tl" rotWithShape="0">
+                    <a:prstClr val="black">
+                      <a:alpha val="40000"/>
+                    </a:prstClr>
+                  </a:outerShdw>
+                  <a:reflection blurRad="6350" stA="55000" endA="300" endPos="45500" dir="5400000" sy="-100000" algn="bl" rotWithShape="0"/>
+                </a:effectLst>
+                <a:uLnTx/>
+                <a:uFillTx/>
+                <a:latin typeface="+mj-lt"/>
+                <a:ea typeface="+mj-ea"/>
+                <a:cs typeface="+mj-cs"/>
+              </a:rPr>
+              <a:t>za pozornost</a:t>
             </a:r>
             <a:endParaRPr kumimoji="0" lang="cs-CZ" sz="5400" b="1" i="0" u="none" strike="noStrike" kern="1200" cap="all" spc="0" normalizeH="0" baseline="0" noProof="0" dirty="0">
               <a:ln w="0"/>
